--- a/Documentation/Presentation/StorageMate.pptx
+++ b/Documentation/Presentation/StorageMate.pptx
@@ -31994,7 +31994,7 @@
         </p:nvSpPr>
         <p:spPr>
           <a:xfrm>
-            <a:off x="457200" y="865400"/>
+            <a:off x="549425" y="852225"/>
             <a:ext cx="8229600" cy="3301800"/>
           </a:xfrm>
           <a:prstGeom prst="rect">
